--- a/Schick_Helena.pptx
+++ b/Schick_Helena.pptx
@@ -19,8 +19,8 @@
     <p:sldId id="265" r:id="rId13"/>
     <p:sldId id="271" r:id="rId14"/>
     <p:sldId id="266" r:id="rId15"/>
-    <p:sldId id="261" r:id="rId16"/>
-    <p:sldId id="272" r:id="rId17"/>
+    <p:sldId id="272" r:id="rId16"/>
+    <p:sldId id="273" r:id="rId17"/>
     <p:sldId id="262" r:id="rId18"/>
   </p:sldIdLst>
   <p:sldSz cx="12192000" cy="6858000"/>
@@ -120,6 +120,11 @@
       </a:defRPr>
     </a:lvl9pPr>
   </p:defaultTextStyle>
+  <p:extLst>
+    <p:ext uri="{EFAFB233-063F-42B5-8137-9DF3F51BA10A}">
+      <p15:sldGuideLst xmlns:p15="http://schemas.microsoft.com/office/powerpoint/2012/main"/>
+    </p:ext>
+  </p:extLst>
 </p:presentation>
 </file>
 
@@ -3604,7 +3609,7 @@
             <a:fld id="{87DE6118-2437-4B30-8E3C-4D2BE6020583}" type="datetimeFigureOut">
               <a:rPr lang="en-US" dirty="0"/>
               <a:pPr/>
-              <a:t>4/30/23</a:t>
+              <a:t>5/2/23</a:t>
             </a:fld>
             <a:endParaRPr lang="en-US" dirty="0"/>
           </a:p>
@@ -3930,7 +3935,7 @@
           <a:p>
             <a:fld id="{87DE6118-2437-4B30-8E3C-4D2BE6020583}" type="datetimeFigureOut">
               <a:rPr lang="en-US" dirty="0"/>
-              <a:t>4/30/23</a:t>
+              <a:t>5/2/23</a:t>
             </a:fld>
             <a:endParaRPr lang="en-US" dirty="0"/>
           </a:p>
@@ -4105,7 +4110,7 @@
           <a:p>
             <a:fld id="{87DE6118-2437-4B30-8E3C-4D2BE6020583}" type="datetimeFigureOut">
               <a:rPr lang="en-US" dirty="0"/>
-              <a:t>4/30/23</a:t>
+              <a:t>5/2/23</a:t>
             </a:fld>
             <a:endParaRPr lang="en-US" dirty="0"/>
           </a:p>
@@ -4270,7 +4275,7 @@
           <a:p>
             <a:fld id="{87DE6118-2437-4B30-8E3C-4D2BE6020583}" type="datetimeFigureOut">
               <a:rPr lang="en-US" dirty="0"/>
-              <a:t>4/30/23</a:t>
+              <a:t>5/2/23</a:t>
             </a:fld>
             <a:endParaRPr lang="en-US" dirty="0"/>
           </a:p>
@@ -4543,7 +4548,7 @@
             <a:fld id="{87DE6118-2437-4B30-8E3C-4D2BE6020583}" type="datetimeFigureOut">
               <a:rPr lang="en-US" dirty="0"/>
               <a:pPr/>
-              <a:t>4/30/23</a:t>
+              <a:t>5/2/23</a:t>
             </a:fld>
             <a:endParaRPr lang="en-US" dirty="0"/>
           </a:p>
@@ -4933,7 +4938,7 @@
           <a:p>
             <a:fld id="{87DE6118-2437-4B30-8E3C-4D2BE6020583}" type="datetimeFigureOut">
               <a:rPr lang="en-US" dirty="0"/>
-              <a:t>4/30/23</a:t>
+              <a:t>5/2/23</a:t>
             </a:fld>
             <a:endParaRPr lang="en-US" dirty="0"/>
           </a:p>
@@ -5405,7 +5410,7 @@
           <a:p>
             <a:fld id="{87DE6118-2437-4B30-8E3C-4D2BE6020583}" type="datetimeFigureOut">
               <a:rPr lang="en-US" dirty="0"/>
-              <a:t>4/30/23</a:t>
+              <a:t>5/2/23</a:t>
             </a:fld>
             <a:endParaRPr lang="en-US" dirty="0"/>
           </a:p>
@@ -5518,7 +5523,7 @@
           <a:p>
             <a:fld id="{87DE6118-2437-4B30-8E3C-4D2BE6020583}" type="datetimeFigureOut">
               <a:rPr lang="en-US" dirty="0"/>
-              <a:t>4/30/23</a:t>
+              <a:t>5/2/23</a:t>
             </a:fld>
             <a:endParaRPr lang="en-US" dirty="0"/>
           </a:p>
@@ -5608,7 +5613,7 @@
           <a:p>
             <a:fld id="{87DE6118-2437-4B30-8E3C-4D2BE6020583}" type="datetimeFigureOut">
               <a:rPr lang="en-US" dirty="0"/>
-              <a:t>4/30/23</a:t>
+              <a:t>5/2/23</a:t>
             </a:fld>
             <a:endParaRPr lang="en-US" dirty="0"/>
           </a:p>
@@ -5950,7 +5955,7 @@
             <a:fld id="{87DE6118-2437-4B30-8E3C-4D2BE6020583}" type="datetimeFigureOut">
               <a:rPr lang="en-US" dirty="0"/>
               <a:pPr/>
-              <a:t>4/30/23</a:t>
+              <a:t>5/2/23</a:t>
             </a:fld>
             <a:endParaRPr lang="en-US" dirty="0"/>
           </a:p>
@@ -6335,7 +6340,7 @@
             <a:fld id="{87DE6118-2437-4B30-8E3C-4D2BE6020583}" type="datetimeFigureOut">
               <a:rPr lang="en-US" dirty="0"/>
               <a:pPr/>
-              <a:t>4/30/23</a:t>
+              <a:t>5/2/23</a:t>
             </a:fld>
             <a:endParaRPr lang="en-US" dirty="0"/>
           </a:p>
@@ -6610,7 +6615,7 @@
             <a:fld id="{87DE6118-2437-4B30-8E3C-4D2BE6020583}" type="datetimeFigureOut">
               <a:rPr lang="en-US" dirty="0"/>
               <a:pPr/>
-              <a:t>4/30/23</a:t>
+              <a:t>5/2/23</a:t>
             </a:fld>
             <a:endParaRPr lang="en-US" dirty="0"/>
           </a:p>
@@ -9073,221 +9078,6 @@
           <p:cNvPr id="2" name="Title 1">
             <a:extLst>
               <a:ext uri="{FF2B5EF4-FFF2-40B4-BE49-F238E27FC236}">
-                <a16:creationId xmlns:a16="http://schemas.microsoft.com/office/drawing/2014/main" id="{38A1312A-B169-3DB3-9DD7-DF5E8AED08BB}"/>
-              </a:ext>
-            </a:extLst>
-          </p:cNvPr>
-          <p:cNvSpPr>
-            <a:spLocks noGrp="1"/>
-          </p:cNvSpPr>
-          <p:nvPr>
-            <p:ph type="title"/>
-          </p:nvPr>
-        </p:nvSpPr>
-        <p:spPr/>
-        <p:txBody>
-          <a:bodyPr/>
-          <a:lstStyle/>
-          <a:p>
-            <a:r>
-              <a:rPr lang="en-US" dirty="0"/>
-              <a:t>DEPLYOMENT</a:t>
-            </a:r>
-          </a:p>
-        </p:txBody>
-      </p:sp>
-      <p:sp>
-        <p:nvSpPr>
-          <p:cNvPr id="3" name="Content Placeholder 2">
-            <a:extLst>
-              <a:ext uri="{FF2B5EF4-FFF2-40B4-BE49-F238E27FC236}">
-                <a16:creationId xmlns:a16="http://schemas.microsoft.com/office/drawing/2014/main" id="{C6E078C2-EBA3-9736-B248-3490BC6D0028}"/>
-              </a:ext>
-            </a:extLst>
-          </p:cNvPr>
-          <p:cNvSpPr>
-            <a:spLocks noGrp="1"/>
-          </p:cNvSpPr>
-          <p:nvPr>
-            <p:ph idx="1"/>
-          </p:nvPr>
-        </p:nvSpPr>
-        <p:spPr>
-          <a:xfrm>
-            <a:off x="2514600" y="2286000"/>
-            <a:ext cx="8458200" cy="3581400"/>
-          </a:xfrm>
-        </p:spPr>
-        <p:txBody>
-          <a:bodyPr/>
-          <a:lstStyle/>
-          <a:p>
-            <a:r>
-              <a:rPr lang="en-US" dirty="0"/>
-              <a:t>Posit Connect</a:t>
-            </a:r>
-          </a:p>
-          <a:p>
-            <a:r>
-              <a:rPr lang="en-US" dirty="0" err="1"/>
-              <a:t>Tensorflow</a:t>
-            </a:r>
-            <a:endParaRPr lang="en-US" dirty="0"/>
-          </a:p>
-          <a:p>
-            <a:pPr marL="0" indent="0">
-              <a:buNone/>
-            </a:pPr>
-            <a:endParaRPr lang="en-US" dirty="0"/>
-          </a:p>
-          <a:p>
-            <a:r>
-              <a:rPr lang="en-US" dirty="0"/>
-              <a:t>Plumber</a:t>
-            </a:r>
-          </a:p>
-          <a:p>
-            <a:endParaRPr lang="en-US" dirty="0"/>
-          </a:p>
-        </p:txBody>
-      </p:sp>
-      <p:pic>
-        <p:nvPicPr>
-          <p:cNvPr id="5" name="Graphic 4" descr="Checkbox Crossed with solid fill">
-            <a:extLst>
-              <a:ext uri="{FF2B5EF4-FFF2-40B4-BE49-F238E27FC236}">
-                <a16:creationId xmlns:a16="http://schemas.microsoft.com/office/drawing/2014/main" id="{C395D98E-BBCA-3B68-DB7E-D0B897355D8F}"/>
-              </a:ext>
-            </a:extLst>
-          </p:cNvPr>
-          <p:cNvPicPr>
-            <a:picLocks noChangeAspect="1"/>
-          </p:cNvPicPr>
-          <p:nvPr/>
-        </p:nvPicPr>
-        <p:blipFill>
-          <a:blip r:embed="rId2">
-            <a:extLst>
-              <a:ext uri="{96DAC541-7B7A-43D3-8B79-37D633B846F1}">
-                <asvg:svgBlip xmlns:asvg="http://schemas.microsoft.com/office/drawing/2016/SVG/main" r:embed="rId3"/>
-              </a:ext>
-            </a:extLst>
-          </a:blip>
-          <a:stretch>
-            <a:fillRect/>
-          </a:stretch>
-        </p:blipFill>
-        <p:spPr>
-          <a:xfrm>
-            <a:off x="1371600" y="2286000"/>
-            <a:ext cx="914400" cy="914400"/>
-          </a:xfrm>
-          <a:prstGeom prst="rect">
-            <a:avLst/>
-          </a:prstGeom>
-        </p:spPr>
-      </p:pic>
-      <p:pic>
-        <p:nvPicPr>
-          <p:cNvPr id="7" name="Graphic 6" descr="Checkbox Checked with solid fill">
-            <a:extLst>
-              <a:ext uri="{FF2B5EF4-FFF2-40B4-BE49-F238E27FC236}">
-                <a16:creationId xmlns:a16="http://schemas.microsoft.com/office/drawing/2014/main" id="{3D49842D-2C08-D337-118A-81453FEA6AC7}"/>
-              </a:ext>
-            </a:extLst>
-          </p:cNvPr>
-          <p:cNvPicPr>
-            <a:picLocks noChangeAspect="1"/>
-          </p:cNvPicPr>
-          <p:nvPr/>
-        </p:nvPicPr>
-        <p:blipFill>
-          <a:blip r:embed="rId4">
-            <a:extLst>
-              <a:ext uri="{96DAC541-7B7A-43D3-8B79-37D633B846F1}">
-                <asvg:svgBlip xmlns:asvg="http://schemas.microsoft.com/office/drawing/2016/SVG/main" r:embed="rId5"/>
-              </a:ext>
-            </a:extLst>
-          </a:blip>
-          <a:stretch>
-            <a:fillRect/>
-          </a:stretch>
-        </p:blipFill>
-        <p:spPr>
-          <a:xfrm>
-            <a:off x="1371600" y="3314700"/>
-            <a:ext cx="914400" cy="914400"/>
-          </a:xfrm>
-          <a:prstGeom prst="rect">
-            <a:avLst/>
-          </a:prstGeom>
-        </p:spPr>
-      </p:pic>
-      <p:pic>
-        <p:nvPicPr>
-          <p:cNvPr id="9" name="Picture 8" descr="Graphical user interface, text, application, email&#10;&#10;Description automatically generated">
-            <a:extLst>
-              <a:ext uri="{FF2B5EF4-FFF2-40B4-BE49-F238E27FC236}">
-                <a16:creationId xmlns:a16="http://schemas.microsoft.com/office/drawing/2014/main" id="{DEA98AEF-3D90-8571-7A40-2F62331501E1}"/>
-              </a:ext>
-            </a:extLst>
-          </p:cNvPr>
-          <p:cNvPicPr>
-            <a:picLocks noChangeAspect="1"/>
-          </p:cNvPicPr>
-          <p:nvPr/>
-        </p:nvPicPr>
-        <p:blipFill>
-          <a:blip r:embed="rId6"/>
-          <a:stretch>
-            <a:fillRect/>
-          </a:stretch>
-        </p:blipFill>
-        <p:spPr>
-          <a:xfrm>
-            <a:off x="4902200" y="2171700"/>
-            <a:ext cx="6959600" cy="4356100"/>
-          </a:xfrm>
-          <a:prstGeom prst="rect">
-            <a:avLst/>
-          </a:prstGeom>
-        </p:spPr>
-      </p:pic>
-    </p:spTree>
-    <p:extLst>
-      <p:ext uri="{BB962C8B-B14F-4D97-AF65-F5344CB8AC3E}">
-        <p14:creationId xmlns:p14="http://schemas.microsoft.com/office/powerpoint/2010/main" val="3141373999"/>
-      </p:ext>
-    </p:extLst>
-  </p:cSld>
-  <p:clrMapOvr>
-    <a:masterClrMapping/>
-  </p:clrMapOvr>
-</p:sld>
-</file>
-
-<file path=ppt/slides/slide16.xml><?xml version="1.0" encoding="utf-8"?>
-<p:sld xmlns:a="http://schemas.openxmlformats.org/drawingml/2006/main" xmlns:r="http://schemas.openxmlformats.org/officeDocument/2006/relationships" xmlns:p="http://schemas.openxmlformats.org/presentationml/2006/main">
-  <p:cSld>
-    <p:spTree>
-      <p:nvGrpSpPr>
-        <p:cNvPr id="1" name=""/>
-        <p:cNvGrpSpPr/>
-        <p:nvPr/>
-      </p:nvGrpSpPr>
-      <p:grpSpPr>
-        <a:xfrm>
-          <a:off x="0" y="0"/>
-          <a:ext cx="0" cy="0"/>
-          <a:chOff x="0" y="0"/>
-          <a:chExt cx="0" cy="0"/>
-        </a:xfrm>
-      </p:grpSpPr>
-      <p:sp>
-        <p:nvSpPr>
-          <p:cNvPr id="2" name="Title 1">
-            <a:extLst>
-              <a:ext uri="{FF2B5EF4-FFF2-40B4-BE49-F238E27FC236}">
                 <a16:creationId xmlns:a16="http://schemas.microsoft.com/office/drawing/2014/main" id="{47339F83-E87B-82C4-615E-F239518008DD}"/>
               </a:ext>
             </a:extLst>
@@ -9333,8 +9123,8 @@
         </p:blipFill>
         <p:spPr>
           <a:xfrm>
-            <a:off x="1371600" y="2756301"/>
-            <a:ext cx="7772400" cy="3860000"/>
+            <a:off x="1371600" y="3430381"/>
+            <a:ext cx="6415088" cy="3185919"/>
           </a:xfrm>
           <a:prstGeom prst="rect">
             <a:avLst/>
@@ -9365,7 +9155,7 @@
         </p:blipFill>
         <p:spPr>
           <a:xfrm>
-            <a:off x="6172200" y="685800"/>
+            <a:off x="6172200" y="1638300"/>
             <a:ext cx="5711445" cy="3581400"/>
           </a:xfrm>
         </p:spPr>
@@ -9398,7 +9188,330 @@
         </p:blipFill>
         <p:spPr>
           <a:xfrm rot="16200000">
-            <a:off x="5257800" y="1841901"/>
+            <a:off x="5257800" y="2667000"/>
+            <a:ext cx="914400" cy="914400"/>
+          </a:xfrm>
+          <a:prstGeom prst="rect">
+            <a:avLst/>
+          </a:prstGeom>
+        </p:spPr>
+      </p:pic>
+      <p:sp>
+        <p:nvSpPr>
+          <p:cNvPr id="4" name="Content Placeholder 2">
+            <a:extLst>
+              <a:ext uri="{FF2B5EF4-FFF2-40B4-BE49-F238E27FC236}">
+                <a16:creationId xmlns:a16="http://schemas.microsoft.com/office/drawing/2014/main" id="{F46EA943-190F-4D04-E9A3-8212166A89F2}"/>
+              </a:ext>
+            </a:extLst>
+          </p:cNvPr>
+          <p:cNvSpPr txBox="1">
+            <a:spLocks/>
+          </p:cNvSpPr>
+          <p:nvPr/>
+        </p:nvSpPr>
+        <p:spPr>
+          <a:xfrm>
+            <a:off x="2514600" y="1643055"/>
+            <a:ext cx="8458200" cy="3581400"/>
+          </a:xfrm>
+          <a:prstGeom prst="rect">
+            <a:avLst/>
+          </a:prstGeom>
+        </p:spPr>
+        <p:txBody>
+          <a:bodyPr vert="horz" lIns="91440" tIns="45720" rIns="91440" bIns="45720" rtlCol="0">
+            <a:normAutofit/>
+          </a:bodyPr>
+          <a:lstStyle>
+            <a:lvl1pPr marL="384048" indent="-384048" algn="l" defTabSz="914400" rtl="0" eaLnBrk="1" latinLnBrk="0" hangingPunct="1">
+              <a:lnSpc>
+                <a:spcPct val="94000"/>
+              </a:lnSpc>
+              <a:spcBef>
+                <a:spcPts val="1000"/>
+              </a:spcBef>
+              <a:spcAft>
+                <a:spcPts val="200"/>
+              </a:spcAft>
+              <a:buFont typeface="Franklin Gothic Book" panose="020B0503020102020204" pitchFamily="34" charset="0"/>
+              <a:buChar char="■"/>
+              <a:defRPr sz="2000" kern="1200" baseline="0">
+                <a:solidFill>
+                  <a:schemeClr val="tx2"/>
+                </a:solidFill>
+                <a:latin typeface="+mn-lt"/>
+                <a:ea typeface="+mn-ea"/>
+                <a:cs typeface="+mn-cs"/>
+              </a:defRPr>
+            </a:lvl1pPr>
+            <a:lvl2pPr marL="914400" indent="-384048" algn="l" defTabSz="914400" rtl="0" eaLnBrk="1" latinLnBrk="0" hangingPunct="1">
+              <a:lnSpc>
+                <a:spcPct val="94000"/>
+              </a:lnSpc>
+              <a:spcBef>
+                <a:spcPts val="500"/>
+              </a:spcBef>
+              <a:spcAft>
+                <a:spcPts val="200"/>
+              </a:spcAft>
+              <a:buFont typeface="Franklin Gothic Book" panose="020B0503020102020204" pitchFamily="34" charset="0"/>
+              <a:buChar char="–"/>
+              <a:defRPr sz="2000" i="1" kern="1200" baseline="0">
+                <a:solidFill>
+                  <a:schemeClr val="tx2"/>
+                </a:solidFill>
+                <a:latin typeface="+mn-lt"/>
+                <a:ea typeface="+mn-ea"/>
+                <a:cs typeface="+mn-cs"/>
+              </a:defRPr>
+            </a:lvl2pPr>
+            <a:lvl3pPr marL="1371600" indent="-384048" algn="l" defTabSz="914400" rtl="0" eaLnBrk="1" latinLnBrk="0" hangingPunct="1">
+              <a:lnSpc>
+                <a:spcPct val="94000"/>
+              </a:lnSpc>
+              <a:spcBef>
+                <a:spcPts val="500"/>
+              </a:spcBef>
+              <a:spcAft>
+                <a:spcPts val="200"/>
+              </a:spcAft>
+              <a:buFont typeface="Franklin Gothic Book" panose="020B0503020102020204" pitchFamily="34" charset="0"/>
+              <a:buChar char="■"/>
+              <a:defRPr sz="1800" kern="1200" baseline="0">
+                <a:solidFill>
+                  <a:schemeClr val="tx2"/>
+                </a:solidFill>
+                <a:latin typeface="+mn-lt"/>
+                <a:ea typeface="+mn-ea"/>
+                <a:cs typeface="+mn-cs"/>
+              </a:defRPr>
+            </a:lvl3pPr>
+            <a:lvl4pPr marL="1828800" indent="-384048" algn="l" defTabSz="914400" rtl="0" eaLnBrk="1" latinLnBrk="0" hangingPunct="1">
+              <a:lnSpc>
+                <a:spcPct val="94000"/>
+              </a:lnSpc>
+              <a:spcBef>
+                <a:spcPts val="500"/>
+              </a:spcBef>
+              <a:spcAft>
+                <a:spcPts val="200"/>
+              </a:spcAft>
+              <a:buFont typeface="Franklin Gothic Book" panose="020B0503020102020204" pitchFamily="34" charset="0"/>
+              <a:buChar char="–"/>
+              <a:defRPr sz="1800" i="1" kern="1200" baseline="0">
+                <a:solidFill>
+                  <a:schemeClr val="tx2"/>
+                </a:solidFill>
+                <a:latin typeface="+mn-lt"/>
+                <a:ea typeface="+mn-ea"/>
+                <a:cs typeface="+mn-cs"/>
+              </a:defRPr>
+            </a:lvl4pPr>
+            <a:lvl5pPr marL="2286000" indent="-384048" algn="l" defTabSz="914400" rtl="0" eaLnBrk="1" latinLnBrk="0" hangingPunct="1">
+              <a:lnSpc>
+                <a:spcPct val="94000"/>
+              </a:lnSpc>
+              <a:spcBef>
+                <a:spcPts val="500"/>
+              </a:spcBef>
+              <a:spcAft>
+                <a:spcPts val="200"/>
+              </a:spcAft>
+              <a:buFont typeface="Franklin Gothic Book" panose="020B0503020102020204" pitchFamily="34" charset="0"/>
+              <a:buChar char="■"/>
+              <a:defRPr sz="1600" kern="1200" baseline="0">
+                <a:solidFill>
+                  <a:schemeClr val="tx2"/>
+                </a:solidFill>
+                <a:latin typeface="+mn-lt"/>
+                <a:ea typeface="+mn-ea"/>
+                <a:cs typeface="+mn-cs"/>
+              </a:defRPr>
+            </a:lvl5pPr>
+            <a:lvl6pPr marL="2743200" indent="-384048" algn="l" defTabSz="914400" rtl="0" eaLnBrk="1" latinLnBrk="0" hangingPunct="1">
+              <a:lnSpc>
+                <a:spcPct val="94000"/>
+              </a:lnSpc>
+              <a:spcBef>
+                <a:spcPts val="500"/>
+              </a:spcBef>
+              <a:spcAft>
+                <a:spcPts val="200"/>
+              </a:spcAft>
+              <a:buFont typeface="Franklin Gothic Book" panose="020B0503020102020204" pitchFamily="34" charset="0"/>
+              <a:buChar char="–"/>
+              <a:defRPr sz="1600" i="1" kern="1200" baseline="0">
+                <a:solidFill>
+                  <a:schemeClr val="tx2"/>
+                </a:solidFill>
+                <a:latin typeface="+mn-lt"/>
+                <a:ea typeface="+mn-ea"/>
+                <a:cs typeface="+mn-cs"/>
+              </a:defRPr>
+            </a:lvl6pPr>
+            <a:lvl7pPr marL="3200400" indent="-384048" algn="l" defTabSz="914400" rtl="0" eaLnBrk="1" latinLnBrk="0" hangingPunct="1">
+              <a:lnSpc>
+                <a:spcPct val="94000"/>
+              </a:lnSpc>
+              <a:spcBef>
+                <a:spcPts val="500"/>
+              </a:spcBef>
+              <a:spcAft>
+                <a:spcPts val="200"/>
+              </a:spcAft>
+              <a:buFont typeface="Franklin Gothic Book" panose="020B0503020102020204" pitchFamily="34" charset="0"/>
+              <a:buChar char="■"/>
+              <a:defRPr sz="1400" kern="1200" baseline="0">
+                <a:solidFill>
+                  <a:schemeClr val="tx2"/>
+                </a:solidFill>
+                <a:latin typeface="+mn-lt"/>
+                <a:ea typeface="+mn-ea"/>
+                <a:cs typeface="+mn-cs"/>
+              </a:defRPr>
+            </a:lvl7pPr>
+            <a:lvl8pPr marL="3657600" indent="-384048" algn="l" defTabSz="914400" rtl="0" eaLnBrk="1" latinLnBrk="0" hangingPunct="1">
+              <a:lnSpc>
+                <a:spcPct val="94000"/>
+              </a:lnSpc>
+              <a:spcBef>
+                <a:spcPts val="500"/>
+              </a:spcBef>
+              <a:spcAft>
+                <a:spcPts val="200"/>
+              </a:spcAft>
+              <a:buFont typeface="Franklin Gothic Book" panose="020B0503020102020204" pitchFamily="34" charset="0"/>
+              <a:buChar char="–"/>
+              <a:defRPr sz="1400" i="1" kern="1200" baseline="0">
+                <a:solidFill>
+                  <a:schemeClr val="tx2"/>
+                </a:solidFill>
+                <a:latin typeface="+mn-lt"/>
+                <a:ea typeface="+mn-ea"/>
+                <a:cs typeface="+mn-cs"/>
+              </a:defRPr>
+            </a:lvl8pPr>
+            <a:lvl9pPr marL="4114800" indent="-384048" algn="l" defTabSz="914400" rtl="0" eaLnBrk="1" latinLnBrk="0" hangingPunct="1">
+              <a:lnSpc>
+                <a:spcPct val="94000"/>
+              </a:lnSpc>
+              <a:spcBef>
+                <a:spcPts val="500"/>
+              </a:spcBef>
+              <a:spcAft>
+                <a:spcPts val="200"/>
+              </a:spcAft>
+              <a:buFont typeface="Franklin Gothic Book" panose="020B0503020102020204" pitchFamily="34" charset="0"/>
+              <a:buChar char="■"/>
+              <a:defRPr sz="1400" kern="1200" baseline="0">
+                <a:solidFill>
+                  <a:schemeClr val="tx2"/>
+                </a:solidFill>
+                <a:latin typeface="+mn-lt"/>
+                <a:ea typeface="+mn-ea"/>
+                <a:cs typeface="+mn-cs"/>
+              </a:defRPr>
+            </a:lvl9pPr>
+          </a:lstStyle>
+          <a:p>
+            <a:r>
+              <a:rPr lang="en-US" dirty="0"/>
+              <a:t>Posit Connect</a:t>
+            </a:r>
+          </a:p>
+          <a:p>
+            <a:r>
+              <a:rPr lang="en-US" dirty="0" err="1"/>
+              <a:t>Tensorflow</a:t>
+            </a:r>
+            <a:endParaRPr lang="en-US" dirty="0"/>
+          </a:p>
+          <a:p>
+            <a:pPr marL="0" indent="0">
+              <a:buNone/>
+            </a:pPr>
+            <a:endParaRPr lang="en-US" dirty="0"/>
+          </a:p>
+          <a:p>
+            <a:r>
+              <a:rPr lang="en-US" dirty="0"/>
+              <a:t>Plumber</a:t>
+            </a:r>
+          </a:p>
+          <a:p>
+            <a:endParaRPr lang="en-US" dirty="0"/>
+          </a:p>
+          <a:p>
+            <a:endParaRPr lang="en-US" dirty="0"/>
+          </a:p>
+        </p:txBody>
+      </p:sp>
+      <p:pic>
+        <p:nvPicPr>
+          <p:cNvPr id="6" name="Graphic 5" descr="Checkbox Crossed with solid fill">
+            <a:extLst>
+              <a:ext uri="{FF2B5EF4-FFF2-40B4-BE49-F238E27FC236}">
+                <a16:creationId xmlns:a16="http://schemas.microsoft.com/office/drawing/2014/main" id="{64E6D93A-0E55-40A0-720E-1A00FF86CD7F}"/>
+              </a:ext>
+            </a:extLst>
+          </p:cNvPr>
+          <p:cNvPicPr>
+            <a:picLocks noChangeAspect="1"/>
+          </p:cNvPicPr>
+          <p:nvPr/>
+        </p:nvPicPr>
+        <p:blipFill>
+          <a:blip r:embed="rId6">
+            <a:extLst>
+              <a:ext uri="{96DAC541-7B7A-43D3-8B79-37D633B846F1}">
+                <asvg:svgBlip xmlns:asvg="http://schemas.microsoft.com/office/drawing/2016/SVG/main" r:embed="rId7"/>
+              </a:ext>
+            </a:extLst>
+          </a:blip>
+          <a:stretch>
+            <a:fillRect/>
+          </a:stretch>
+        </p:blipFill>
+        <p:spPr>
+          <a:xfrm>
+            <a:off x="1371600" y="1643055"/>
+            <a:ext cx="914400" cy="914400"/>
+          </a:xfrm>
+          <a:prstGeom prst="rect">
+            <a:avLst/>
+          </a:prstGeom>
+        </p:spPr>
+      </p:pic>
+      <p:pic>
+        <p:nvPicPr>
+          <p:cNvPr id="7" name="Graphic 6" descr="Checkbox Checked with solid fill">
+            <a:extLst>
+              <a:ext uri="{FF2B5EF4-FFF2-40B4-BE49-F238E27FC236}">
+                <a16:creationId xmlns:a16="http://schemas.microsoft.com/office/drawing/2014/main" id="{A5E10F32-09E8-415F-DCDF-239B6672B580}"/>
+              </a:ext>
+            </a:extLst>
+          </p:cNvPr>
+          <p:cNvPicPr>
+            <a:picLocks noChangeAspect="1"/>
+          </p:cNvPicPr>
+          <p:nvPr/>
+        </p:nvPicPr>
+        <p:blipFill>
+          <a:blip r:embed="rId8">
+            <a:extLst>
+              <a:ext uri="{96DAC541-7B7A-43D3-8B79-37D633B846F1}">
+                <asvg:svgBlip xmlns:asvg="http://schemas.microsoft.com/office/drawing/2016/SVG/main" r:embed="rId9"/>
+              </a:ext>
+            </a:extLst>
+          </a:blip>
+          <a:stretch>
+            <a:fillRect/>
+          </a:stretch>
+        </p:blipFill>
+        <p:spPr>
+          <a:xfrm>
+            <a:off x="1371600" y="2667000"/>
             <a:ext cx="914400" cy="914400"/>
           </a:xfrm>
           <a:prstGeom prst="rect">
@@ -9410,6 +9523,159 @@
     <p:extLst>
       <p:ext uri="{BB962C8B-B14F-4D97-AF65-F5344CB8AC3E}">
         <p14:creationId xmlns:p14="http://schemas.microsoft.com/office/powerpoint/2010/main" val="1607492566"/>
+      </p:ext>
+    </p:extLst>
+  </p:cSld>
+  <p:clrMapOvr>
+    <a:masterClrMapping/>
+  </p:clrMapOvr>
+</p:sld>
+</file>
+
+<file path=ppt/slides/slide16.xml><?xml version="1.0" encoding="utf-8"?>
+<p:sld xmlns:a="http://schemas.openxmlformats.org/drawingml/2006/main" xmlns:r="http://schemas.openxmlformats.org/officeDocument/2006/relationships" xmlns:p="http://schemas.openxmlformats.org/presentationml/2006/main">
+  <p:cSld>
+    <p:spTree>
+      <p:nvGrpSpPr>
+        <p:cNvPr id="1" name=""/>
+        <p:cNvGrpSpPr/>
+        <p:nvPr/>
+      </p:nvGrpSpPr>
+      <p:grpSpPr>
+        <a:xfrm>
+          <a:off x="0" y="0"/>
+          <a:ext cx="0" cy="0"/>
+          <a:chOff x="0" y="0"/>
+          <a:chExt cx="0" cy="0"/>
+        </a:xfrm>
+      </p:grpSpPr>
+      <p:sp>
+        <p:nvSpPr>
+          <p:cNvPr id="2" name="Title 1">
+            <a:extLst>
+              <a:ext uri="{FF2B5EF4-FFF2-40B4-BE49-F238E27FC236}">
+                <a16:creationId xmlns:a16="http://schemas.microsoft.com/office/drawing/2014/main" id="{975C99AD-CF9A-2363-23F7-77AFBB8FF2BF}"/>
+              </a:ext>
+            </a:extLst>
+          </p:cNvPr>
+          <p:cNvSpPr>
+            <a:spLocks noGrp="1"/>
+          </p:cNvSpPr>
+          <p:nvPr>
+            <p:ph type="title"/>
+          </p:nvPr>
+        </p:nvSpPr>
+        <p:spPr/>
+        <p:txBody>
+          <a:bodyPr/>
+          <a:lstStyle/>
+          <a:p>
+            <a:r>
+              <a:rPr lang="en-US" dirty="0"/>
+              <a:t>DEPLOYMENT</a:t>
+            </a:r>
+          </a:p>
+        </p:txBody>
+      </p:sp>
+      <p:pic>
+        <p:nvPicPr>
+          <p:cNvPr id="5" name="Content Placeholder 4" descr="A screenshot of a computer&#10;&#10;Description automatically generated">
+            <a:extLst>
+              <a:ext uri="{FF2B5EF4-FFF2-40B4-BE49-F238E27FC236}">
+                <a16:creationId xmlns:a16="http://schemas.microsoft.com/office/drawing/2014/main" id="{B1EAA739-E908-86AB-9DB1-B2C23A7ABC08}"/>
+              </a:ext>
+            </a:extLst>
+          </p:cNvPr>
+          <p:cNvPicPr>
+            <a:picLocks noGrp="1" noChangeAspect="1"/>
+          </p:cNvPicPr>
+          <p:nvPr>
+            <p:ph idx="1"/>
+          </p:nvPr>
+        </p:nvPicPr>
+        <p:blipFill>
+          <a:blip r:embed="rId2"/>
+          <a:stretch>
+            <a:fillRect/>
+          </a:stretch>
+        </p:blipFill>
+        <p:spPr>
+          <a:xfrm>
+            <a:off x="1219200" y="3175000"/>
+            <a:ext cx="6089934" cy="3581400"/>
+          </a:xfrm>
+        </p:spPr>
+      </p:pic>
+      <p:pic>
+        <p:nvPicPr>
+          <p:cNvPr id="7" name="Picture 6" descr="A screenshot of a computer program&#10;&#10;Description automatically generated with low confidence">
+            <a:extLst>
+              <a:ext uri="{FF2B5EF4-FFF2-40B4-BE49-F238E27FC236}">
+                <a16:creationId xmlns:a16="http://schemas.microsoft.com/office/drawing/2014/main" id="{8BF23ED9-5939-4F2F-EFDB-C7A26ECA90E4}"/>
+              </a:ext>
+            </a:extLst>
+          </p:cNvPr>
+          <p:cNvPicPr>
+            <a:picLocks noChangeAspect="1"/>
+          </p:cNvPicPr>
+          <p:nvPr/>
+        </p:nvPicPr>
+        <p:blipFill>
+          <a:blip r:embed="rId3"/>
+          <a:stretch>
+            <a:fillRect/>
+          </a:stretch>
+        </p:blipFill>
+        <p:spPr>
+          <a:xfrm>
+            <a:off x="7309134" y="1282700"/>
+            <a:ext cx="4318000" cy="1892300"/>
+          </a:xfrm>
+          <a:prstGeom prst="rect">
+            <a:avLst/>
+          </a:prstGeom>
+        </p:spPr>
+      </p:pic>
+      <p:pic>
+        <p:nvPicPr>
+          <p:cNvPr id="8" name="Graphic 7" descr="Arrow: Counter-clockwise curve with solid fill">
+            <a:extLst>
+              <a:ext uri="{FF2B5EF4-FFF2-40B4-BE49-F238E27FC236}">
+                <a16:creationId xmlns:a16="http://schemas.microsoft.com/office/drawing/2014/main" id="{AE38A0D3-9D13-CA1B-F8AE-955E5247D9EB}"/>
+              </a:ext>
+            </a:extLst>
+          </p:cNvPr>
+          <p:cNvPicPr>
+            <a:picLocks noChangeAspect="1"/>
+          </p:cNvPicPr>
+          <p:nvPr/>
+        </p:nvPicPr>
+        <p:blipFill>
+          <a:blip r:embed="rId4">
+            <a:extLst>
+              <a:ext uri="{96DAC541-7B7A-43D3-8B79-37D633B846F1}">
+                <asvg:svgBlip xmlns:asvg="http://schemas.microsoft.com/office/drawing/2016/SVG/main" r:embed="rId5"/>
+              </a:ext>
+            </a:extLst>
+          </a:blip>
+          <a:stretch>
+            <a:fillRect/>
+          </a:stretch>
+        </p:blipFill>
+        <p:spPr>
+          <a:xfrm rot="16200000">
+            <a:off x="6394734" y="2260600"/>
+            <a:ext cx="914400" cy="914400"/>
+          </a:xfrm>
+          <a:prstGeom prst="rect">
+            <a:avLst/>
+          </a:prstGeom>
+        </p:spPr>
+      </p:pic>
+    </p:spTree>
+    <p:extLst>
+      <p:ext uri="{BB962C8B-B14F-4D97-AF65-F5344CB8AC3E}">
+        <p14:creationId xmlns:p14="http://schemas.microsoft.com/office/powerpoint/2010/main" val="2800069434"/>
       </p:ext>
     </p:extLst>
   </p:cSld>
